--- a/Bibliotheca – web aplikacija za upravljanje knjižnicom.pptx
+++ b/Bibliotheca – web aplikacija za upravljanje knjižnicom.pptx
@@ -5,24 +5,25 @@
     <p:sldMasterId id="2147483648" r:id="rId1"/>
   </p:sldMasterIdLst>
   <p:notesMasterIdLst>
-    <p:notesMasterId r:id="rId9"/>
+    <p:notesMasterId r:id="rId10"/>
   </p:notesMasterIdLst>
   <p:handoutMasterIdLst>
-    <p:handoutMasterId r:id="rId10"/>
+    <p:handoutMasterId r:id="rId11"/>
   </p:handoutMasterIdLst>
   <p:sldIdLst>
     <p:sldId id="265" r:id="rId2"/>
-    <p:sldId id="267" r:id="rId3"/>
+    <p:sldId id="272" r:id="rId3"/>
     <p:sldId id="268" r:id="rId4"/>
-    <p:sldId id="266" r:id="rId5"/>
-    <p:sldId id="269" r:id="rId6"/>
-    <p:sldId id="270" r:id="rId7"/>
-    <p:sldId id="271" r:id="rId8"/>
+    <p:sldId id="267" r:id="rId5"/>
+    <p:sldId id="266" r:id="rId6"/>
+    <p:sldId id="269" r:id="rId7"/>
+    <p:sldId id="270" r:id="rId8"/>
+    <p:sldId id="271" r:id="rId9"/>
   </p:sldIdLst>
   <p:sldSz cx="12188825" cy="6858000"/>
   <p:notesSz cx="6858000" cy="9144000"/>
   <p:custDataLst>
-    <p:tags r:id="rId11"/>
+    <p:tags r:id="rId12"/>
   </p:custDataLst>
   <p:defaultTextStyle>
     <a:defPPr>
@@ -4067,7 +4068,7 @@
           <p:cNvPr id="2" name="Title 1">
             <a:extLst>
               <a:ext uri="{FF2B5EF4-FFF2-40B4-BE49-F238E27FC236}">
-                <a16:creationId xmlns:a16="http://schemas.microsoft.com/office/drawing/2014/main" id="{3B9E5E1E-3E4C-48AB-A3B9-DD15B2650A5D}"/>
+                <a16:creationId xmlns:a16="http://schemas.microsoft.com/office/drawing/2014/main" id="{68F05D47-9EB4-4F00-94B2-F080DAEF63FC}"/>
               </a:ext>
             </a:extLst>
           </p:cNvPr>
@@ -4085,58 +4086,77 @@
           <a:p>
             <a:r>
               <a:rPr lang="hr-HR" dirty="0"/>
-              <a:t>Vue.js i </a:t>
-            </a:r>
-            <a:r>
-              <a:rPr lang="hr-HR" dirty="0" err="1"/>
-              <a:t>Vuetify</a:t>
+              <a:t>Funkcionalnost aplikacije</a:t>
             </a:r>
             <a:endParaRPr lang="en-US" dirty="0"/>
           </a:p>
         </p:txBody>
       </p:sp>
-      <p:pic>
-        <p:nvPicPr>
-          <p:cNvPr id="5" name="Content Placeholder 4">
+      <p:sp>
+        <p:nvSpPr>
+          <p:cNvPr id="3" name="Content Placeholder 2">
             <a:extLst>
               <a:ext uri="{FF2B5EF4-FFF2-40B4-BE49-F238E27FC236}">
-                <a16:creationId xmlns:a16="http://schemas.microsoft.com/office/drawing/2014/main" id="{D1667DDC-6EF7-4E5F-8924-2AB37D6CC9AF}"/>
+                <a16:creationId xmlns:a16="http://schemas.microsoft.com/office/drawing/2014/main" id="{151D74CB-0623-4B08-BBDD-92BCF413A8ED}"/>
               </a:ext>
             </a:extLst>
           </p:cNvPr>
-          <p:cNvPicPr>
-            <a:picLocks noGrp="1" noChangeAspect="1"/>
-          </p:cNvPicPr>
+          <p:cNvSpPr>
+            <a:spLocks noGrp="1"/>
+          </p:cNvSpPr>
           <p:nvPr>
             <p:ph idx="1"/>
           </p:nvPr>
-        </p:nvPicPr>
-        <p:blipFill>
-          <a:blip r:embed="rId2">
-            <a:extLst>
-              <a:ext uri="{28A0092B-C50C-407E-A947-70E740481C1C}">
-                <a14:useLocalDpi xmlns:a14="http://schemas.microsoft.com/office/drawing/2010/main" val="0"/>
-              </a:ext>
-              <a:ext uri="{96DAC541-7B7A-43D3-8B79-37D633B846F1}">
-                <asvg:svgBlip xmlns:asvg="http://schemas.microsoft.com/office/drawing/2016/SVG/main" r:embed="rId3"/>
-              </a:ext>
-            </a:extLst>
-          </a:blip>
-          <a:stretch>
-            <a:fillRect/>
-          </a:stretch>
-        </p:blipFill>
-        <p:spPr>
-          <a:xfrm>
-            <a:off x="3951288" y="2109696"/>
-            <a:ext cx="4276724" cy="3705408"/>
-          </a:xfrm>
-        </p:spPr>
-      </p:pic>
+        </p:nvSpPr>
+        <p:spPr/>
+        <p:txBody>
+          <a:bodyPr/>
+          <a:lstStyle/>
+          <a:p>
+            <a:r>
+              <a:rPr lang="hr-HR" dirty="0"/>
+              <a:t>Login + </a:t>
+            </a:r>
+            <a:r>
+              <a:rPr lang="hr-HR" dirty="0" err="1"/>
+              <a:t>register</a:t>
+            </a:r>
+            <a:r>
+              <a:rPr lang="hr-HR" dirty="0"/>
+              <a:t> preko JWT tokena</a:t>
+            </a:r>
+          </a:p>
+          <a:p>
+            <a:r>
+              <a:rPr lang="hr-HR" dirty="0"/>
+              <a:t>Pregled kataloga dostupnih knjiga</a:t>
+            </a:r>
+          </a:p>
+          <a:p>
+            <a:r>
+              <a:rPr lang="hr-HR" dirty="0"/>
+              <a:t>Posuđivanje od strane korisnika, vraćanje od strane administratora</a:t>
+            </a:r>
+          </a:p>
+          <a:p>
+            <a:r>
+              <a:rPr lang="hr-HR" dirty="0"/>
+              <a:t>Produljivanje članstva</a:t>
+            </a:r>
+          </a:p>
+          <a:p>
+            <a:r>
+              <a:rPr lang="hr-HR" dirty="0"/>
+              <a:t>Dodavanje novih žanrova, autora i knjiga</a:t>
+            </a:r>
+            <a:endParaRPr lang="en-US" dirty="0"/>
+          </a:p>
+        </p:txBody>
+      </p:sp>
     </p:spTree>
     <p:extLst>
       <p:ext uri="{BB962C8B-B14F-4D97-AF65-F5344CB8AC3E}">
-        <p14:creationId xmlns:p14="http://schemas.microsoft.com/office/powerpoint/2010/main" val="543320509"/>
+        <p14:creationId xmlns:p14="http://schemas.microsoft.com/office/powerpoint/2010/main" val="1748576727"/>
       </p:ext>
     </p:extLst>
   </p:cSld>
@@ -4297,6 +4317,119 @@
           <p:cNvPr id="2" name="Title 1">
             <a:extLst>
               <a:ext uri="{FF2B5EF4-FFF2-40B4-BE49-F238E27FC236}">
+                <a16:creationId xmlns:a16="http://schemas.microsoft.com/office/drawing/2014/main" id="{3B9E5E1E-3E4C-48AB-A3B9-DD15B2650A5D}"/>
+              </a:ext>
+            </a:extLst>
+          </p:cNvPr>
+          <p:cNvSpPr>
+            <a:spLocks noGrp="1"/>
+          </p:cNvSpPr>
+          <p:nvPr>
+            <p:ph type="title"/>
+          </p:nvPr>
+        </p:nvSpPr>
+        <p:spPr/>
+        <p:txBody>
+          <a:bodyPr/>
+          <a:lstStyle/>
+          <a:p>
+            <a:r>
+              <a:rPr lang="hr-HR" dirty="0"/>
+              <a:t>Vue.js i </a:t>
+            </a:r>
+            <a:r>
+              <a:rPr lang="hr-HR" dirty="0" err="1"/>
+              <a:t>Vuetify</a:t>
+            </a:r>
+            <a:endParaRPr lang="en-US" dirty="0"/>
+          </a:p>
+        </p:txBody>
+      </p:sp>
+      <p:pic>
+        <p:nvPicPr>
+          <p:cNvPr id="5" name="Content Placeholder 4">
+            <a:extLst>
+              <a:ext uri="{FF2B5EF4-FFF2-40B4-BE49-F238E27FC236}">
+                <a16:creationId xmlns:a16="http://schemas.microsoft.com/office/drawing/2014/main" id="{D1667DDC-6EF7-4E5F-8924-2AB37D6CC9AF}"/>
+              </a:ext>
+            </a:extLst>
+          </p:cNvPr>
+          <p:cNvPicPr>
+            <a:picLocks noGrp="1" noChangeAspect="1"/>
+          </p:cNvPicPr>
+          <p:nvPr>
+            <p:ph idx="1"/>
+          </p:nvPr>
+        </p:nvPicPr>
+        <p:blipFill>
+          <a:blip r:embed="rId2">
+            <a:extLst>
+              <a:ext uri="{28A0092B-C50C-407E-A947-70E740481C1C}">
+                <a14:useLocalDpi xmlns:a14="http://schemas.microsoft.com/office/drawing/2010/main" val="0"/>
+              </a:ext>
+              <a:ext uri="{96DAC541-7B7A-43D3-8B79-37D633B846F1}">
+                <asvg:svgBlip xmlns:asvg="http://schemas.microsoft.com/office/drawing/2016/SVG/main" r:embed="rId3"/>
+              </a:ext>
+            </a:extLst>
+          </a:blip>
+          <a:stretch>
+            <a:fillRect/>
+          </a:stretch>
+        </p:blipFill>
+        <p:spPr>
+          <a:xfrm>
+            <a:off x="3951288" y="2109696"/>
+            <a:ext cx="4276724" cy="3705408"/>
+          </a:xfrm>
+        </p:spPr>
+      </p:pic>
+    </p:spTree>
+    <p:extLst>
+      <p:ext uri="{BB962C8B-B14F-4D97-AF65-F5344CB8AC3E}">
+        <p14:creationId xmlns:p14="http://schemas.microsoft.com/office/powerpoint/2010/main" val="543320509"/>
+      </p:ext>
+    </p:extLst>
+  </p:cSld>
+  <p:clrMapOvr>
+    <a:masterClrMapping/>
+  </p:clrMapOvr>
+  <mc:AlternateContent xmlns:mc="http://schemas.openxmlformats.org/markup-compatibility/2006" xmlns:p14="http://schemas.microsoft.com/office/powerpoint/2010/main">
+    <mc:Choice Requires="p14">
+      <p:transition spd="med" p14:dur="700">
+        <p:fade/>
+      </p:transition>
+    </mc:Choice>
+    <mc:Fallback xmlns="">
+      <p:transition spd="med">
+        <p:fade/>
+      </p:transition>
+    </mc:Fallback>
+  </mc:AlternateContent>
+</p:sld>
+</file>
+
+<file path=ppt/slides/slide5.xml><?xml version="1.0" encoding="utf-8"?>
+<p:sld xmlns:a="http://schemas.openxmlformats.org/drawingml/2006/main" xmlns:r="http://schemas.openxmlformats.org/officeDocument/2006/relationships" xmlns:p="http://schemas.openxmlformats.org/presentationml/2006/main">
+  <p:cSld>
+    <p:spTree>
+      <p:nvGrpSpPr>
+        <p:cNvPr id="1" name=""/>
+        <p:cNvGrpSpPr/>
+        <p:nvPr/>
+      </p:nvGrpSpPr>
+      <p:grpSpPr>
+        <a:xfrm>
+          <a:off x="0" y="0"/>
+          <a:ext cx="0" cy="0"/>
+          <a:chOff x="0" y="0"/>
+          <a:chExt cx="0" cy="0"/>
+        </a:xfrm>
+      </p:grpSpPr>
+      <p:sp>
+        <p:nvSpPr>
+          <p:cNvPr id="2" name="Title 1">
+            <a:extLst>
+              <a:ext uri="{FF2B5EF4-FFF2-40B4-BE49-F238E27FC236}">
                 <a16:creationId xmlns:a16="http://schemas.microsoft.com/office/drawing/2014/main" id="{5C539FF4-EB81-49D9-A4BD-412B41B83941}"/>
               </a:ext>
             </a:extLst>
@@ -4392,7 +4525,7 @@
 </p:sld>
 </file>
 
-<file path=ppt/slides/slide5.xml><?xml version="1.0" encoding="utf-8"?>
+<file path=ppt/slides/slide6.xml><?xml version="1.0" encoding="utf-8"?>
 <p:sld xmlns:a="http://schemas.openxmlformats.org/drawingml/2006/main" xmlns:r="http://schemas.openxmlformats.org/officeDocument/2006/relationships" xmlns:p="http://schemas.openxmlformats.org/presentationml/2006/main">
   <p:cSld>
     <p:spTree>
@@ -4522,7 +4655,7 @@
 </p:sld>
 </file>
 
-<file path=ppt/slides/slide6.xml><?xml version="1.0" encoding="utf-8"?>
+<file path=ppt/slides/slide7.xml><?xml version="1.0" encoding="utf-8"?>
 <p:sld xmlns:a="http://schemas.openxmlformats.org/drawingml/2006/main" xmlns:r="http://schemas.openxmlformats.org/officeDocument/2006/relationships" xmlns:p="http://schemas.openxmlformats.org/presentationml/2006/main">
   <p:cSld>
     <p:spTree>
@@ -4618,7 +4751,7 @@
 </p:sld>
 </file>
 
-<file path=ppt/slides/slide7.xml><?xml version="1.0" encoding="utf-8"?>
+<file path=ppt/slides/slide8.xml><?xml version="1.0" encoding="utf-8"?>
 <p:sld xmlns:a="http://schemas.openxmlformats.org/drawingml/2006/main" xmlns:r="http://schemas.openxmlformats.org/officeDocument/2006/relationships" xmlns:p="http://schemas.openxmlformats.org/presentationml/2006/main">
   <p:cSld>
     <p:spTree>
